--- a/final slides.pptx
+++ b/final slides.pptx
@@ -8415,8 +8415,8 @@
           </a:p>
         </p:txBody>
       </p:sp>
-      <mc:AlternateContent xmlns:mc="http://schemas.openxmlformats.org/markup-compatibility/2006" xmlns:a14="http://schemas.microsoft.com/office/drawing/2010/main">
-        <mc:Choice Requires="a14">
+      <mc:AlternateContent xmlns:mc="http://schemas.openxmlformats.org/markup-compatibility/2006">
+        <mc:Choice xmlns:a14="http://schemas.microsoft.com/office/drawing/2010/main" Requires="a14">
           <p:sp>
             <p:nvSpPr>
               <p:cNvPr id="3" name="内容占位符 2"/>
@@ -8445,9 +8445,14 @@
               </a:p>
               <a:p>
                 <a:r>
-                  <a:rPr lang="en-US" dirty="0"/>
-                  <a:t>Output Lay</a:t>
+                  <a:rPr lang="en-US"/>
+                  <a:t>Output </a:t>
                 </a:r>
+                <a:r>
+                  <a:rPr lang="en-US" smtClean="0"/>
+                  <a:t>Layer</a:t>
+                </a:r>
+                <a:endParaRPr lang="en-US" dirty="0"/>
               </a:p>
               <a:p>
                 <a14:m>
@@ -9016,7 +9021,7 @@
             </p:txBody>
           </p:sp>
         </mc:Choice>
-        <mc:Fallback xmlns="">
+        <mc:Fallback>
           <p:sp>
             <p:nvSpPr>
               <p:cNvPr id="3" name="内容占位符 2"/>
@@ -9297,11 +9302,7 @@
             </a:r>
             <a:r>
               <a:rPr lang="en-US" altLang="zh-CN" sz="1400" i="1" dirty="0" smtClean="0"/>
-              <a:t>    </a:t>
-            </a:r>
-            <a:r>
-              <a:rPr lang="en-US" altLang="zh-CN" sz="1400" i="1" dirty="0" smtClean="0"/>
-              <a:t>n</a:t>
+              <a:t>    n</a:t>
             </a:r>
             <a:r>
               <a:rPr lang="en-US" altLang="zh-CN" sz="1400" dirty="0" smtClean="0"/>
@@ -9699,7 +9700,7 @@
           <p:cNvPr id="4" name="Picture 3">
             <a:extLst>
               <a:ext uri="{FF2B5EF4-FFF2-40B4-BE49-F238E27FC236}">
-                <a16:creationId xmlns="" xmlns:a16="http://schemas.microsoft.com/office/drawing/2014/main" id="{9159DEDE-9A79-4997-8E31-61C9331AD32F}"/>
+                <a16:creationId xmlns:a16="http://schemas.microsoft.com/office/drawing/2014/main" xmlns="" id="{9159DEDE-9A79-4997-8E31-61C9331AD32F}"/>
               </a:ext>
             </a:extLst>
           </p:cNvPr>
@@ -9729,7 +9730,7 @@
           <p:cNvPr id="5" name="Picture 4">
             <a:extLst>
               <a:ext uri="{FF2B5EF4-FFF2-40B4-BE49-F238E27FC236}">
-                <a16:creationId xmlns="" xmlns:a16="http://schemas.microsoft.com/office/drawing/2014/main" id="{924047C2-0313-4830-A7CC-79C8BCB01979}"/>
+                <a16:creationId xmlns:a16="http://schemas.microsoft.com/office/drawing/2014/main" xmlns="" id="{924047C2-0313-4830-A7CC-79C8BCB01979}"/>
               </a:ext>
             </a:extLst>
           </p:cNvPr>
@@ -9796,7 +9797,7 @@
           <p:cNvPr id="2" name="Title 1">
             <a:extLst>
               <a:ext uri="{FF2B5EF4-FFF2-40B4-BE49-F238E27FC236}">
-                <a16:creationId xmlns="" xmlns:a16="http://schemas.microsoft.com/office/drawing/2014/main" id="{44017D63-A31B-4B49-A7DC-F471B7A1BD29}"/>
+                <a16:creationId xmlns:a16="http://schemas.microsoft.com/office/drawing/2014/main" xmlns="" id="{44017D63-A31B-4B49-A7DC-F471B7A1BD29}"/>
               </a:ext>
             </a:extLst>
           </p:cNvPr>
@@ -9825,7 +9826,7 @@
           <p:cNvPr id="4" name="Content Placeholder 3">
             <a:extLst>
               <a:ext uri="{FF2B5EF4-FFF2-40B4-BE49-F238E27FC236}">
-                <a16:creationId xmlns="" xmlns:a16="http://schemas.microsoft.com/office/drawing/2014/main" id="{D8A03505-739D-488D-9E26-693566D14C05}"/>
+                <a16:creationId xmlns:a16="http://schemas.microsoft.com/office/drawing/2014/main" xmlns="" id="{D8A03505-739D-488D-9E26-693566D14C05}"/>
               </a:ext>
             </a:extLst>
           </p:cNvPr>
@@ -9857,7 +9858,7 @@
           <p:cNvPr id="5" name="Picture 4">
             <a:extLst>
               <a:ext uri="{FF2B5EF4-FFF2-40B4-BE49-F238E27FC236}">
-                <a16:creationId xmlns="" xmlns:a16="http://schemas.microsoft.com/office/drawing/2014/main" id="{1E205A63-F4AB-482B-84B0-7DFFCE4C8112}"/>
+                <a16:creationId xmlns:a16="http://schemas.microsoft.com/office/drawing/2014/main" xmlns="" id="{1E205A63-F4AB-482B-84B0-7DFFCE4C8112}"/>
               </a:ext>
             </a:extLst>
           </p:cNvPr>
@@ -9887,7 +9888,7 @@
           <p:cNvPr id="6" name="Content Placeholder 3">
             <a:extLst>
               <a:ext uri="{FF2B5EF4-FFF2-40B4-BE49-F238E27FC236}">
-                <a16:creationId xmlns="" xmlns:a16="http://schemas.microsoft.com/office/drawing/2014/main" id="{78FE1A58-E827-4FD9-B27D-55D3D6FB55FB}"/>
+                <a16:creationId xmlns:a16="http://schemas.microsoft.com/office/drawing/2014/main" xmlns="" id="{78FE1A58-E827-4FD9-B27D-55D3D6FB55FB}"/>
               </a:ext>
             </a:extLst>
           </p:cNvPr>
@@ -9917,7 +9918,7 @@
           <p:cNvPr id="7" name="Picture 6">
             <a:extLst>
               <a:ext uri="{FF2B5EF4-FFF2-40B4-BE49-F238E27FC236}">
-                <a16:creationId xmlns="" xmlns:a16="http://schemas.microsoft.com/office/drawing/2014/main" id="{B172E1AE-33C2-46CC-9A04-3984EFD621FD}"/>
+                <a16:creationId xmlns:a16="http://schemas.microsoft.com/office/drawing/2014/main" xmlns="" id="{B172E1AE-33C2-46CC-9A04-3984EFD621FD}"/>
               </a:ext>
             </a:extLst>
           </p:cNvPr>
@@ -9945,7 +9946,7 @@
           <p:cNvPr id="9" name="内容占位符 2">
             <a:extLst>
               <a:ext uri="{FF2B5EF4-FFF2-40B4-BE49-F238E27FC236}">
-                <a16:creationId xmlns="" xmlns:a16="http://schemas.microsoft.com/office/drawing/2014/main" id="{FA26BE5E-0AF7-4BFD-B476-FEFCDA34FF85}"/>
+                <a16:creationId xmlns:a16="http://schemas.microsoft.com/office/drawing/2014/main" xmlns="" id="{FA26BE5E-0AF7-4BFD-B476-FEFCDA34FF85}"/>
               </a:ext>
             </a:extLst>
           </p:cNvPr>
@@ -10198,7 +10199,7 @@
           <p:cNvPr id="11" name="内容占位符 2">
             <a:extLst>
               <a:ext uri="{FF2B5EF4-FFF2-40B4-BE49-F238E27FC236}">
-                <a16:creationId xmlns="" xmlns:a16="http://schemas.microsoft.com/office/drawing/2014/main" id="{3A5791FA-7113-4CBD-8019-51D838EDF662}"/>
+                <a16:creationId xmlns:a16="http://schemas.microsoft.com/office/drawing/2014/main" xmlns="" id="{3A5791FA-7113-4CBD-8019-51D838EDF662}"/>
               </a:ext>
             </a:extLst>
           </p:cNvPr>
@@ -10488,7 +10489,7 @@
           <p:cNvPr id="2" name="Title 1">
             <a:extLst>
               <a:ext uri="{FF2B5EF4-FFF2-40B4-BE49-F238E27FC236}">
-                <a16:creationId xmlns="" xmlns:a16="http://schemas.microsoft.com/office/drawing/2014/main" id="{808AB534-CD95-4AA4-8FCB-35E14C2A511C}"/>
+                <a16:creationId xmlns:a16="http://schemas.microsoft.com/office/drawing/2014/main" xmlns="" id="{808AB534-CD95-4AA4-8FCB-35E14C2A511C}"/>
               </a:ext>
             </a:extLst>
           </p:cNvPr>
@@ -10517,7 +10518,7 @@
           <p:cNvPr id="9" name="Content Placeholder 8">
             <a:extLst>
               <a:ext uri="{FF2B5EF4-FFF2-40B4-BE49-F238E27FC236}">
-                <a16:creationId xmlns="" xmlns:a16="http://schemas.microsoft.com/office/drawing/2014/main" id="{855A0260-8C3F-4D3D-B5CF-ABD5C15E9CAE}"/>
+                <a16:creationId xmlns:a16="http://schemas.microsoft.com/office/drawing/2014/main" xmlns="" id="{855A0260-8C3F-4D3D-B5CF-ABD5C15E9CAE}"/>
               </a:ext>
             </a:extLst>
           </p:cNvPr>
@@ -10557,7 +10558,7 @@
           <p:cNvPr id="10" name="Picture 9">
             <a:extLst>
               <a:ext uri="{FF2B5EF4-FFF2-40B4-BE49-F238E27FC236}">
-                <a16:creationId xmlns="" xmlns:a16="http://schemas.microsoft.com/office/drawing/2014/main" id="{971AEC1C-4568-4C77-94D9-3FE12652467C}"/>
+                <a16:creationId xmlns:a16="http://schemas.microsoft.com/office/drawing/2014/main" xmlns="" id="{971AEC1C-4568-4C77-94D9-3FE12652467C}"/>
               </a:ext>
             </a:extLst>
           </p:cNvPr>
@@ -10585,7 +10586,7 @@
           <p:cNvPr id="11" name="Picture 10">
             <a:extLst>
               <a:ext uri="{FF2B5EF4-FFF2-40B4-BE49-F238E27FC236}">
-                <a16:creationId xmlns="" xmlns:a16="http://schemas.microsoft.com/office/drawing/2014/main" id="{CF9F8E95-892E-47BE-B580-64E5706986C7}"/>
+                <a16:creationId xmlns:a16="http://schemas.microsoft.com/office/drawing/2014/main" xmlns="" id="{CF9F8E95-892E-47BE-B580-64E5706986C7}"/>
               </a:ext>
             </a:extLst>
           </p:cNvPr>
@@ -10613,7 +10614,7 @@
           <p:cNvPr id="12" name="Picture 11">
             <a:extLst>
               <a:ext uri="{FF2B5EF4-FFF2-40B4-BE49-F238E27FC236}">
-                <a16:creationId xmlns="" xmlns:a16="http://schemas.microsoft.com/office/drawing/2014/main" id="{FCD108D3-3640-40F3-A436-CA755FB96CA9}"/>
+                <a16:creationId xmlns:a16="http://schemas.microsoft.com/office/drawing/2014/main" xmlns="" id="{FCD108D3-3640-40F3-A436-CA755FB96CA9}"/>
               </a:ext>
             </a:extLst>
           </p:cNvPr>
@@ -10641,7 +10642,7 @@
           <p:cNvPr id="13" name="Content Placeholder 8">
             <a:extLst>
               <a:ext uri="{FF2B5EF4-FFF2-40B4-BE49-F238E27FC236}">
-                <a16:creationId xmlns="" xmlns:a16="http://schemas.microsoft.com/office/drawing/2014/main" id="{ED629688-0B73-4E60-8681-5DAE08AE9F88}"/>
+                <a16:creationId xmlns:a16="http://schemas.microsoft.com/office/drawing/2014/main" xmlns="" id="{ED629688-0B73-4E60-8681-5DAE08AE9F88}"/>
               </a:ext>
             </a:extLst>
           </p:cNvPr>
@@ -10901,7 +10902,7 @@
           <p:cNvPr id="14" name="Picture 13">
             <a:extLst>
               <a:ext uri="{FF2B5EF4-FFF2-40B4-BE49-F238E27FC236}">
-                <a16:creationId xmlns="" xmlns:a16="http://schemas.microsoft.com/office/drawing/2014/main" id="{48AC7254-5DDB-494D-9788-67AF52E3B888}"/>
+                <a16:creationId xmlns:a16="http://schemas.microsoft.com/office/drawing/2014/main" xmlns="" id="{48AC7254-5DDB-494D-9788-67AF52E3B888}"/>
               </a:ext>
             </a:extLst>
           </p:cNvPr>
